--- a/NHTutorial/docs/NH Presentation.pptx
+++ b/NHTutorial/docs/NH Presentation.pptx
@@ -11,9 +11,11 @@
     <p:sldId id="267" r:id="rId5"/>
     <p:sldId id="268" r:id="rId6"/>
     <p:sldId id="271" r:id="rId7"/>
-    <p:sldId id="269" r:id="rId8"/>
-    <p:sldId id="270" r:id="rId9"/>
-    <p:sldId id="264" r:id="rId10"/>
+    <p:sldId id="272" r:id="rId8"/>
+    <p:sldId id="273" r:id="rId9"/>
+    <p:sldId id="274" r:id="rId10"/>
+    <p:sldId id="269" r:id="rId11"/>
+    <p:sldId id="264" r:id="rId12"/>
   </p:sldIdLst>
   <p:sldSz cx="9144000" cy="6858000" type="screen4x3"/>
   <p:notesSz cx="6858000" cy="9144000"/>
@@ -500,7 +502,7 @@
             <a:fld id="{E311EFDD-C074-4E70-AC78-548899E237AB}" type="datetimeFigureOut">
               <a:rPr lang="sl-SI" smtClean="0"/>
               <a:pPr/>
-              <a:t>10.10.2010</a:t>
+              <a:t>13.10.2010</a:t>
             </a:fld>
             <a:endParaRPr lang="sl-SI"/>
           </a:p>
@@ -667,7 +669,7 @@
             <a:fld id="{E311EFDD-C074-4E70-AC78-548899E237AB}" type="datetimeFigureOut">
               <a:rPr lang="sl-SI" smtClean="0"/>
               <a:pPr/>
-              <a:t>10.10.2010</a:t>
+              <a:t>13.10.2010</a:t>
             </a:fld>
             <a:endParaRPr lang="sl-SI"/>
           </a:p>
@@ -844,7 +846,7 @@
             <a:fld id="{E311EFDD-C074-4E70-AC78-548899E237AB}" type="datetimeFigureOut">
               <a:rPr lang="sl-SI" smtClean="0"/>
               <a:pPr/>
-              <a:t>10.10.2010</a:t>
+              <a:t>13.10.2010</a:t>
             </a:fld>
             <a:endParaRPr lang="sl-SI"/>
           </a:p>
@@ -1015,7 +1017,7 @@
             <a:fld id="{E311EFDD-C074-4E70-AC78-548899E237AB}" type="datetimeFigureOut">
               <a:rPr lang="sl-SI" smtClean="0"/>
               <a:pPr/>
-              <a:t>10.10.2010</a:t>
+              <a:t>13.10.2010</a:t>
             </a:fld>
             <a:endParaRPr lang="sl-SI"/>
           </a:p>
@@ -1472,7 +1474,7 @@
             <a:fld id="{E311EFDD-C074-4E70-AC78-548899E237AB}" type="datetimeFigureOut">
               <a:rPr lang="sl-SI" smtClean="0"/>
               <a:pPr/>
-              <a:t>10.10.2010</a:t>
+              <a:t>13.10.2010</a:t>
             </a:fld>
             <a:endParaRPr lang="sl-SI"/>
           </a:p>
@@ -1738,7 +1740,7 @@
             <a:fld id="{E311EFDD-C074-4E70-AC78-548899E237AB}" type="datetimeFigureOut">
               <a:rPr lang="sl-SI" smtClean="0"/>
               <a:pPr/>
-              <a:t>10.10.2010</a:t>
+              <a:t>13.10.2010</a:t>
             </a:fld>
             <a:endParaRPr lang="sl-SI"/>
           </a:p>
@@ -2114,7 +2116,7 @@
             <a:fld id="{E311EFDD-C074-4E70-AC78-548899E237AB}" type="datetimeFigureOut">
               <a:rPr lang="sl-SI" smtClean="0"/>
               <a:pPr/>
-              <a:t>10.10.2010</a:t>
+              <a:t>13.10.2010</a:t>
             </a:fld>
             <a:endParaRPr lang="sl-SI"/>
           </a:p>
@@ -2238,7 +2240,7 @@
             <a:fld id="{E311EFDD-C074-4E70-AC78-548899E237AB}" type="datetimeFigureOut">
               <a:rPr lang="sl-SI" smtClean="0"/>
               <a:pPr/>
-              <a:t>10.10.2010</a:t>
+              <a:t>13.10.2010</a:t>
             </a:fld>
             <a:endParaRPr lang="sl-SI"/>
           </a:p>
@@ -2330,7 +2332,7 @@
             <a:fld id="{E311EFDD-C074-4E70-AC78-548899E237AB}" type="datetimeFigureOut">
               <a:rPr lang="sl-SI" smtClean="0"/>
               <a:pPr/>
-              <a:t>10.10.2010</a:t>
+              <a:t>13.10.2010</a:t>
             </a:fld>
             <a:endParaRPr lang="sl-SI"/>
           </a:p>
@@ -2581,7 +2583,7 @@
             <a:fld id="{E311EFDD-C074-4E70-AC78-548899E237AB}" type="datetimeFigureOut">
               <a:rPr lang="sl-SI" smtClean="0"/>
               <a:pPr/>
-              <a:t>10.10.2010</a:t>
+              <a:t>13.10.2010</a:t>
             </a:fld>
             <a:endParaRPr lang="sl-SI"/>
           </a:p>
@@ -2842,7 +2844,7 @@
             <a:fld id="{E311EFDD-C074-4E70-AC78-548899E237AB}" type="datetimeFigureOut">
               <a:rPr lang="sl-SI" smtClean="0"/>
               <a:pPr/>
-              <a:t>10.10.2010</a:t>
+              <a:t>13.10.2010</a:t>
             </a:fld>
             <a:endParaRPr lang="sl-SI"/>
           </a:p>
@@ -3248,7 +3250,7 @@
             <a:fld id="{E311EFDD-C074-4E70-AC78-548899E237AB}" type="datetimeFigureOut">
               <a:rPr lang="sl-SI" smtClean="0"/>
               <a:pPr/>
-              <a:t>10.10.2010</a:t>
+              <a:t>13.10.2010</a:t>
             </a:fld>
             <a:endParaRPr lang="sl-SI"/>
           </a:p>
@@ -3672,44 +3674,341 @@
             </a:r>
             <a:r>
               <a:rPr lang="en-US" dirty="0" smtClean="0"/>
-              <a:t>  - </a:t>
+              <a:t>  -  </a:t>
+            </a:r>
+            <a:r>
+              <a:rPr lang="en-US" dirty="0" err="1" smtClean="0"/>
+              <a:t>i</a:t>
+            </a:r>
+            <a:r>
+              <a:rPr lang="sl-SI" dirty="0" smtClean="0"/>
+              <a:t>zkušnje</a:t>
+            </a:r>
+            <a:endParaRPr lang="sl-SI" dirty="0"/>
+          </a:p>
+        </p:txBody>
+      </p:sp>
+      <p:sp>
+        <p:nvSpPr>
+          <p:cNvPr id="3" name="Subtitle 2"/>
+          <p:cNvSpPr>
+            <a:spLocks noGrp="1"/>
+          </p:cNvSpPr>
+          <p:nvPr>
+            <p:ph type="subTitle" idx="1"/>
+          </p:nvPr>
+        </p:nvSpPr>
+        <p:spPr/>
+        <p:txBody>
+          <a:bodyPr/>
+          <a:lstStyle/>
+          <a:p>
+            <a:r>
+              <a:rPr lang="en-US" dirty="0" smtClean="0"/>
+              <a:t>Igor Brejc</a:t>
+            </a:r>
+            <a:endParaRPr lang="sl-SI" dirty="0"/>
+          </a:p>
+        </p:txBody>
+      </p:sp>
+    </p:spTree>
+  </p:cSld>
+  <p:clrMapOvr>
+    <a:masterClrMapping/>
+  </p:clrMapOvr>
+  <p:timing>
+    <p:tnLst>
+      <p:par>
+        <p:cTn id="1" dur="indefinite" restart="never" nodeType="tmRoot"/>
+      </p:par>
+    </p:tnLst>
+  </p:timing>
+</p:sld>
+</file>
+
+<file path=ppt/slides/slide10.xml><?xml version="1.0" encoding="utf-8"?>
+<p:sld xmlns:a="http://schemas.openxmlformats.org/drawingml/2006/main" xmlns:r="http://schemas.openxmlformats.org/officeDocument/2006/relationships" xmlns:p="http://schemas.openxmlformats.org/presentationml/2006/main">
+  <p:cSld>
+    <p:spTree>
+      <p:nvGrpSpPr>
+        <p:cNvPr id="1" name=""/>
+        <p:cNvGrpSpPr/>
+        <p:nvPr/>
+      </p:nvGrpSpPr>
+      <p:grpSpPr>
+        <a:xfrm>
+          <a:off x="0" y="0"/>
+          <a:ext cx="0" cy="0"/>
+          <a:chOff x="0" y="0"/>
+          <a:chExt cx="0" cy="0"/>
+        </a:xfrm>
+      </p:grpSpPr>
+      <p:sp>
+        <p:nvSpPr>
+          <p:cNvPr id="2" name="Title 1"/>
+          <p:cNvSpPr>
+            <a:spLocks noGrp="1"/>
+          </p:cNvSpPr>
+          <p:nvPr>
+            <p:ph type="title"/>
+          </p:nvPr>
+        </p:nvSpPr>
+        <p:spPr/>
+        <p:txBody>
+          <a:bodyPr/>
+          <a:lstStyle/>
+          <a:p>
+            <a:r>
+              <a:rPr lang="sl-SI" dirty="0" smtClean="0"/>
+              <a:t>Splošni nasveti</a:t>
+            </a:r>
+            <a:endParaRPr lang="sl-SI" dirty="0"/>
+          </a:p>
+        </p:txBody>
+      </p:sp>
+      <p:sp>
+        <p:nvSpPr>
+          <p:cNvPr id="3" name="Content Placeholder 2"/>
+          <p:cNvSpPr>
+            <a:spLocks noGrp="1"/>
+          </p:cNvSpPr>
+          <p:nvPr>
+            <p:ph idx="1"/>
+          </p:nvPr>
+        </p:nvSpPr>
+        <p:spPr/>
+        <p:txBody>
+          <a:bodyPr>
+            <a:normAutofit fontScale="92500" lnSpcReduction="20000"/>
+          </a:bodyPr>
+          <a:lstStyle/>
+          <a:p>
+            <a:r>
+              <a:rPr lang="sl-SI" dirty="0" smtClean="0"/>
+              <a:t>Keep </a:t>
+            </a:r>
+            <a:r>
+              <a:rPr lang="sl-SI" dirty="0" smtClean="0"/>
+              <a:t>it simple – ne poskušaj prehitro </a:t>
+            </a:r>
+            <a:r>
+              <a:rPr lang="sl-SI" dirty="0" smtClean="0"/>
+              <a:t>optimizirati</a:t>
+            </a:r>
+          </a:p>
+          <a:p>
+            <a:pPr lvl="1"/>
+            <a:r>
+              <a:rPr lang="sl-SI" dirty="0" smtClean="0"/>
+              <a:t>Drži se ustaljenih in preverjenih vzorcev uporabe</a:t>
+            </a:r>
+          </a:p>
+          <a:p>
+            <a:r>
+              <a:rPr lang="sl-SI" dirty="0" smtClean="0"/>
+              <a:t>Piši integracijske DB teste</a:t>
+            </a:r>
+            <a:endParaRPr lang="sl-SI" dirty="0" smtClean="0"/>
+          </a:p>
+          <a:p>
+            <a:pPr lvl="1"/>
+            <a:r>
+              <a:rPr lang="sl-SI" dirty="0" smtClean="0"/>
+              <a:t>Z dobro pokritostjo testov je mogoče </a:t>
+            </a:r>
+            <a:r>
+              <a:rPr lang="sl-SI" dirty="0" smtClean="0"/>
+              <a:t>popravljati in optimizirati kodo </a:t>
+            </a:r>
+            <a:r>
+              <a:rPr lang="sl-SI" b="1" dirty="0" smtClean="0"/>
+              <a:t>kadarkoli</a:t>
+            </a:r>
+            <a:r>
+              <a:rPr lang="sl-SI" dirty="0" smtClean="0"/>
+              <a:t> (pred produkcijo, po produkciji) </a:t>
+            </a:r>
+            <a:endParaRPr lang="en-US" dirty="0" smtClean="0"/>
+          </a:p>
+          <a:p>
+            <a:pPr lvl="1"/>
+            <a:r>
+              <a:rPr lang="sl-SI" dirty="0" smtClean="0"/>
+              <a:t>Loči jih od unit testov (ni baze!)</a:t>
+            </a:r>
+          </a:p>
+          <a:p>
+            <a:pPr lvl="2"/>
+            <a:r>
+              <a:rPr lang="sl-SI" dirty="0" smtClean="0"/>
+              <a:t>Drugače so buildi </a:t>
+            </a:r>
+            <a:r>
+              <a:rPr lang="sl-SI" dirty="0" smtClean="0"/>
+              <a:t>predolgi</a:t>
+            </a:r>
+          </a:p>
+          <a:p>
+            <a:r>
+              <a:rPr lang="sl-SI" dirty="0" smtClean="0"/>
+              <a:t>Zanašaj se na SQL</a:t>
             </a:r>
             <a:r>
               <a:rPr lang="en-US" dirty="0" smtClean="0"/>
               <a:t> </a:t>
             </a:r>
             <a:r>
-              <a:rPr lang="en-US" dirty="0" err="1" smtClean="0"/>
-              <a:t>i</a:t>
-            </a:r>
-            <a:r>
-              <a:rPr lang="sl-SI" dirty="0" smtClean="0"/>
-              <a:t>zkušnje</a:t>
-            </a:r>
+              <a:rPr lang="sl-SI" dirty="0" smtClean="0"/>
+              <a:t>skripte </a:t>
+            </a:r>
+            <a:endParaRPr lang="en-US" dirty="0" smtClean="0"/>
+          </a:p>
+          <a:p>
+            <a:pPr lvl="1"/>
+            <a:r>
+              <a:rPr lang="en-US" dirty="0" smtClean="0"/>
+              <a:t>I</a:t>
+            </a:r>
+            <a:r>
+              <a:rPr lang="sl-SI" dirty="0" smtClean="0"/>
+              <a:t>n ne na svete krave na DB strežnikih</a:t>
+            </a:r>
+          </a:p>
+          <a:p>
+            <a:endParaRPr lang="sl-SI" dirty="0" smtClean="0"/>
+          </a:p>
+          <a:p>
+            <a:endParaRPr lang="sl-SI" dirty="0" smtClean="0"/>
+          </a:p>
+          <a:p>
             <a:endParaRPr lang="sl-SI" dirty="0"/>
           </a:p>
         </p:txBody>
       </p:sp>
-      <p:sp>
-        <p:nvSpPr>
-          <p:cNvPr id="3" name="Subtitle 2"/>
-          <p:cNvSpPr>
-            <a:spLocks noGrp="1"/>
-          </p:cNvSpPr>
-          <p:nvPr>
-            <p:ph type="subTitle" idx="1"/>
-          </p:nvPr>
-        </p:nvSpPr>
-        <p:spPr/>
-        <p:txBody>
-          <a:bodyPr/>
-          <a:lstStyle/>
-          <a:p>
+    </p:spTree>
+  </p:cSld>
+  <p:clrMapOvr>
+    <a:masterClrMapping/>
+  </p:clrMapOvr>
+</p:sld>
+</file>
+
+<file path=ppt/slides/slide11.xml><?xml version="1.0" encoding="utf-8"?>
+<p:sld xmlns:a="http://schemas.openxmlformats.org/drawingml/2006/main" xmlns:r="http://schemas.openxmlformats.org/officeDocument/2006/relationships" xmlns:p="http://schemas.openxmlformats.org/presentationml/2006/main">
+  <p:cSld>
+    <p:spTree>
+      <p:nvGrpSpPr>
+        <p:cNvPr id="1" name=""/>
+        <p:cNvGrpSpPr/>
+        <p:nvPr/>
+      </p:nvGrpSpPr>
+      <p:grpSpPr>
+        <a:xfrm>
+          <a:off x="0" y="0"/>
+          <a:ext cx="0" cy="0"/>
+          <a:chOff x="0" y="0"/>
+          <a:chExt cx="0" cy="0"/>
+        </a:xfrm>
+      </p:grpSpPr>
+      <p:sp>
+        <p:nvSpPr>
+          <p:cNvPr id="2" name="Title 1"/>
+          <p:cNvSpPr>
+            <a:spLocks noGrp="1"/>
+          </p:cNvSpPr>
+          <p:nvPr>
+            <p:ph type="title"/>
+          </p:nvPr>
+        </p:nvSpPr>
+        <p:spPr/>
+        <p:txBody>
+          <a:bodyPr>
+            <a:normAutofit/>
+          </a:bodyPr>
+          <a:lstStyle/>
+          <a:p>
+            <a:r>
+              <a:rPr lang="sl-SI" dirty="0" smtClean="0"/>
+              <a:t>Literatura</a:t>
+            </a:r>
+            <a:endParaRPr lang="sl-SI" dirty="0"/>
+          </a:p>
+        </p:txBody>
+      </p:sp>
+      <p:sp>
+        <p:nvSpPr>
+          <p:cNvPr id="3" name="Content Placeholder 2"/>
+          <p:cNvSpPr>
+            <a:spLocks noGrp="1"/>
+          </p:cNvSpPr>
+          <p:nvPr>
+            <p:ph idx="1"/>
+          </p:nvPr>
+        </p:nvSpPr>
+        <p:spPr>
+          <a:xfrm>
+            <a:off x="457200" y="1639341"/>
+            <a:ext cx="7467600" cy="4525963"/>
+          </a:xfrm>
+        </p:spPr>
+        <p:txBody>
+          <a:bodyPr>
+            <a:normAutofit/>
+          </a:bodyPr>
+          <a:lstStyle/>
+          <a:p>
+            <a:r>
+              <a:rPr lang="sl-SI" dirty="0" smtClean="0"/>
+              <a:t>Knjige:</a:t>
+            </a:r>
+          </a:p>
+          <a:p>
+            <a:pPr lvl="1"/>
+            <a:r>
+              <a:rPr lang="sl-SI" dirty="0" smtClean="0"/>
+              <a:t>NHibernate in Action</a:t>
+            </a:r>
+          </a:p>
+          <a:p>
+            <a:pPr lvl="1"/>
+            <a:r>
+              <a:rPr lang="sl-SI" dirty="0" smtClean="0"/>
+              <a:t>NHibernate 3.0 Cookbook</a:t>
+            </a:r>
+          </a:p>
+          <a:p>
+            <a:pPr lvl="1"/>
+            <a:r>
+              <a:rPr lang="sl-SI" dirty="0" smtClean="0"/>
+              <a:t>Continuous Integration</a:t>
+            </a:r>
+          </a:p>
+          <a:p>
+            <a:pPr lvl="1"/>
+            <a:r>
+              <a:rPr lang="sl-SI" dirty="0" smtClean="0"/>
+              <a:t>Continuous Deliver</a:t>
+            </a:r>
             <a:r>
               <a:rPr lang="en-US" dirty="0" smtClean="0"/>
-              <a:t>Igor Brejc</a:t>
-            </a:r>
-            <a:endParaRPr lang="sl-SI" dirty="0"/>
+              <a:t>y</a:t>
+            </a:r>
+          </a:p>
+          <a:p>
+            <a:r>
+              <a:rPr lang="en-US" dirty="0" smtClean="0"/>
+              <a:t>DDD – domain events</a:t>
+            </a:r>
+          </a:p>
+          <a:p>
+            <a:pPr lvl="1"/>
+            <a:r>
+              <a:rPr lang="en-US" dirty="0" smtClean="0">
+                <a:hlinkClick r:id="rId2"/>
+              </a:rPr>
+              <a:t>http://www.udidahan.com/2009/06/14/domain-events-salvation/</a:t>
+            </a:r>
+            <a:endParaRPr lang="en-US" dirty="0" smtClean="0"/>
           </a:p>
         </p:txBody>
       </p:sp>
@@ -3896,8 +4195,21 @@
             </a:r>
             <a:r>
               <a:rPr lang="sl-SI" dirty="0" smtClean="0"/>
-              <a:t>svoji instanci (namespace)</a:t>
-            </a:r>
+              <a:t>svoji instanci </a:t>
+            </a:r>
+            <a:r>
+              <a:rPr lang="sl-SI" dirty="0" smtClean="0"/>
+              <a:t>(</a:t>
+            </a:r>
+            <a:r>
+              <a:rPr lang="en-US" dirty="0" smtClean="0"/>
+              <a:t>/ </a:t>
+            </a:r>
+            <a:r>
+              <a:rPr lang="sl-SI" dirty="0" smtClean="0"/>
+              <a:t>shemi)</a:t>
+            </a:r>
+            <a:endParaRPr lang="sl-SI" dirty="0" smtClean="0"/>
           </a:p>
           <a:p>
             <a:r>
@@ -4295,86 +4607,54 @@
           <a:p>
             <a:r>
               <a:rPr lang="sl-SI" dirty="0" smtClean="0"/>
-              <a:t>Osnovni nasveti (1</a:t>
+              <a:t>Nasveti: SessionFactory</a:t>
+            </a:r>
+            <a:endParaRPr lang="sl-SI" dirty="0"/>
+          </a:p>
+        </p:txBody>
+      </p:sp>
+      <p:sp>
+        <p:nvSpPr>
+          <p:cNvPr id="3" name="Content Placeholder 2"/>
+          <p:cNvSpPr>
+            <a:spLocks noGrp="1"/>
+          </p:cNvSpPr>
+          <p:nvPr>
+            <p:ph idx="1"/>
+          </p:nvPr>
+        </p:nvSpPr>
+        <p:spPr/>
+        <p:txBody>
+          <a:bodyPr/>
+          <a:lstStyle/>
+          <a:p>
+            <a:r>
+              <a:rPr lang="sl-SI" dirty="0" smtClean="0"/>
+              <a:t>Ustvari </a:t>
             </a:r>
             <a:r>
               <a:rPr lang="en-US" dirty="0" smtClean="0"/>
-              <a:t>/2)</a:t>
-            </a:r>
-            <a:endParaRPr lang="sl-SI" dirty="0"/>
-          </a:p>
-        </p:txBody>
-      </p:sp>
-      <p:sp>
-        <p:nvSpPr>
-          <p:cNvPr id="3" name="Content Placeholder 2"/>
-          <p:cNvSpPr>
-            <a:spLocks noGrp="1"/>
-          </p:cNvSpPr>
-          <p:nvPr>
-            <p:ph idx="1"/>
-          </p:nvPr>
-        </p:nvSpPr>
-        <p:spPr/>
-        <p:txBody>
-          <a:bodyPr>
-            <a:normAutofit fontScale="92500" lnSpcReduction="20000"/>
-          </a:bodyPr>
-          <a:lstStyle/>
-          <a:p>
-            <a:r>
-              <a:rPr lang="sl-SI" dirty="0" smtClean="0"/>
-              <a:t>Reusaj SessionFactory</a:t>
-            </a:r>
-          </a:p>
-          <a:p>
-            <a:pPr lvl="1"/>
-            <a:r>
-              <a:rPr lang="sl-SI" dirty="0" smtClean="0"/>
-              <a:t>Precej drag za kreiranje</a:t>
-            </a:r>
-          </a:p>
-          <a:p>
-            <a:r>
-              <a:rPr lang="sl-SI" dirty="0" smtClean="0"/>
-              <a:t>NE reusaj Sessiona</a:t>
-            </a:r>
-          </a:p>
-          <a:p>
-            <a:pPr lvl="1"/>
-            <a:r>
-              <a:rPr lang="sl-SI" dirty="0" smtClean="0"/>
-              <a:t>Ni thread-safe</a:t>
-            </a:r>
-          </a:p>
-          <a:p>
-            <a:pPr lvl="1"/>
-            <a:r>
-              <a:rPr lang="sl-SI" dirty="0" smtClean="0"/>
-              <a:t>Določeni podatki niso na voljo dokler se session ne zapre</a:t>
-            </a:r>
-            <a:endParaRPr lang="en-US" dirty="0" smtClean="0"/>
-          </a:p>
-          <a:p>
+              <a:t>se </a:t>
+            </a:r>
             <a:r>
               <a:rPr lang="en-US" dirty="0" err="1" smtClean="0"/>
-              <a:t>Domenski</a:t>
-            </a:r>
-            <a:r>
-              <a:rPr lang="en-US" dirty="0" smtClean="0"/>
-              <a:t> model je </a:t>
-            </a:r>
-            <a:r>
-              <a:rPr lang="en-US" dirty="0" err="1" smtClean="0"/>
-              <a:t>lahko</a:t>
+              <a:t>samo</a:t>
             </a:r>
             <a:r>
               <a:rPr lang="en-US" dirty="0" smtClean="0"/>
               <a:t> </a:t>
             </a:r>
             <a:r>
+              <a:rPr lang="en-US" b="1" dirty="0" err="1" smtClean="0"/>
+              <a:t>enkrat</a:t>
+            </a:r>
+            <a:r>
+              <a:rPr lang="en-US" b="1" dirty="0" smtClean="0"/>
+              <a:t> </a:t>
+            </a:r>
+            <a:r>
               <a:rPr lang="en-US" dirty="0" err="1" smtClean="0"/>
-              <a:t>hkrati</a:t>
+              <a:t>za</a:t>
             </a:r>
             <a:r>
               <a:rPr lang="en-US" dirty="0" smtClean="0"/>
@@ -4382,32 +4662,45 @@
             </a:r>
             <a:r>
               <a:rPr lang="en-US" dirty="0" err="1" smtClean="0"/>
-              <a:t>tudi</a:t>
+              <a:t>posamezno</a:t>
             </a:r>
             <a:r>
               <a:rPr lang="en-US" dirty="0" smtClean="0"/>
-              <a:t> NH model</a:t>
+              <a:t> </a:t>
+            </a:r>
+            <a:r>
+              <a:rPr lang="en-US" dirty="0" err="1" smtClean="0"/>
+              <a:t>bazo</a:t>
+            </a:r>
+            <a:endParaRPr lang="en-US" dirty="0" smtClean="0"/>
+          </a:p>
+          <a:p>
+            <a:r>
+              <a:rPr lang="en-US" dirty="0" smtClean="0"/>
+              <a:t>Je </a:t>
+            </a:r>
+            <a:r>
+              <a:rPr lang="en-US" dirty="0" err="1" smtClean="0"/>
+              <a:t>zelo</a:t>
+            </a:r>
+            <a:r>
+              <a:rPr lang="sl-SI" dirty="0" smtClean="0"/>
+              <a:t> drag za ustvarjanje</a:t>
+            </a:r>
+            <a:endParaRPr lang="en-US" dirty="0" smtClean="0"/>
+          </a:p>
+          <a:p>
+            <a:r>
+              <a:rPr lang="en-US" dirty="0" smtClean="0"/>
+              <a:t>Je thread-safe</a:t>
             </a:r>
             <a:endParaRPr lang="sl-SI" dirty="0" smtClean="0"/>
           </a:p>
           <a:p>
             <a:r>
               <a:rPr lang="sl-SI" dirty="0" smtClean="0"/>
-              <a:t>Keep it simple – ne poskušaj prehitro optimizirati dostopa</a:t>
-            </a:r>
-          </a:p>
-          <a:p>
-            <a:pPr lvl="1"/>
-            <a:r>
-              <a:rPr lang="sl-SI" dirty="0" smtClean="0"/>
-              <a:t>Z dobro pokritostjo testov je mogoče popravljati kodo tudi kasneje oz. tudi proti koncu </a:t>
-            </a:r>
-            <a:endParaRPr lang="en-US" dirty="0" smtClean="0"/>
-          </a:p>
-          <a:p>
-            <a:endParaRPr lang="sl-SI" dirty="0" smtClean="0"/>
-          </a:p>
-          <a:p>
+              <a:t>Castle: singleton, preko factory metode</a:t>
+            </a:r>
             <a:endParaRPr lang="sl-SI" dirty="0"/>
           </a:p>
         </p:txBody>
@@ -4454,76 +4747,141 @@
           <a:p>
             <a:r>
               <a:rPr lang="sl-SI" dirty="0" smtClean="0"/>
-              <a:t>Osnovni nasveti (</a:t>
-            </a:r>
+              <a:t>Nasveti: Session</a:t>
+            </a:r>
+            <a:endParaRPr lang="sl-SI" dirty="0"/>
+          </a:p>
+        </p:txBody>
+      </p:sp>
+      <p:sp>
+        <p:nvSpPr>
+          <p:cNvPr id="3" name="Content Placeholder 2"/>
+          <p:cNvSpPr>
+            <a:spLocks noGrp="1"/>
+          </p:cNvSpPr>
+          <p:nvPr>
+            <p:ph idx="1"/>
+          </p:nvPr>
+        </p:nvSpPr>
+        <p:spPr/>
+        <p:txBody>
+          <a:bodyPr>
+            <a:normAutofit fontScale="92500" lnSpcReduction="20000"/>
+          </a:bodyPr>
+          <a:lstStyle/>
+          <a:p>
+            <a:r>
+              <a:rPr lang="sl-SI" dirty="0" smtClean="0"/>
+              <a:t>Je poceni za ustvarjanje</a:t>
+            </a:r>
+          </a:p>
+          <a:p>
+            <a:r>
+              <a:rPr lang="sl-SI" dirty="0" smtClean="0"/>
+              <a:t>Kreira se znotraj </a:t>
+            </a:r>
+            <a:r>
+              <a:rPr lang="sl-SI" b="1" dirty="0" smtClean="0"/>
+              <a:t>enote dela</a:t>
+            </a:r>
+            <a:r>
+              <a:rPr lang="sl-SI" dirty="0" smtClean="0"/>
+              <a:t> (Unit of Work)</a:t>
+            </a:r>
+          </a:p>
+          <a:p>
+            <a:r>
+              <a:rPr lang="sl-SI" dirty="0" smtClean="0"/>
+              <a:t>Ni ga pametno držati dalj časa</a:t>
+            </a:r>
+          </a:p>
+          <a:p>
+            <a:pPr lvl="1"/>
+            <a:r>
+              <a:rPr lang="sl-SI" dirty="0" smtClean="0"/>
+              <a:t>Sessions niso thread-safe!</a:t>
+            </a:r>
+          </a:p>
+          <a:p>
+            <a:pPr lvl="1"/>
+            <a:r>
+              <a:rPr lang="sl-SI" dirty="0" smtClean="0"/>
+              <a:t>Ne veš kaj se dogaja od zadaj, NH logika je kompleksna</a:t>
+            </a:r>
+          </a:p>
+          <a:p>
+            <a:pPr lvl="1"/>
+            <a:r>
+              <a:rPr lang="sl-SI" dirty="0" smtClean="0"/>
+              <a:t>V primeru transaction rollbacka se stanja keširanih objektov </a:t>
+            </a:r>
+            <a:r>
+              <a:rPr lang="sl-SI" b="1" dirty="0" smtClean="0"/>
+              <a:t>ne</a:t>
+            </a:r>
+            <a:r>
+              <a:rPr lang="sl-SI" dirty="0" smtClean="0"/>
+              <a:t> rollbackajo</a:t>
+            </a:r>
+            <a:endParaRPr lang="en-US" dirty="0" smtClean="0"/>
+          </a:p>
+          <a:p>
+            <a:pPr lvl="1"/>
             <a:r>
               <a:rPr lang="en-US" dirty="0" smtClean="0"/>
-              <a:t>2/2)</a:t>
-            </a:r>
-            <a:endParaRPr lang="sl-SI" dirty="0"/>
-          </a:p>
-        </p:txBody>
-      </p:sp>
-      <p:sp>
-        <p:nvSpPr>
-          <p:cNvPr id="3" name="Content Placeholder 2"/>
-          <p:cNvSpPr>
-            <a:spLocks noGrp="1"/>
-          </p:cNvSpPr>
-          <p:nvPr>
-            <p:ph idx="1"/>
-          </p:nvPr>
-        </p:nvSpPr>
-        <p:spPr/>
-        <p:txBody>
-          <a:bodyPr>
-            <a:normAutofit/>
-          </a:bodyPr>
-          <a:lstStyle/>
-          <a:p>
-            <a:r>
-              <a:rPr lang="sl-SI" dirty="0" smtClean="0"/>
-              <a:t>Zanašaj se na SQL</a:t>
-            </a:r>
-            <a:r>
-              <a:rPr lang="en-US" dirty="0" smtClean="0"/>
-              <a:t> in import</a:t>
-            </a:r>
-            <a:r>
-              <a:rPr lang="sl-SI" dirty="0" smtClean="0"/>
-              <a:t> skripte </a:t>
-            </a:r>
-            <a:endParaRPr lang="en-US" dirty="0" smtClean="0"/>
+              <a:t>Mo</a:t>
+            </a:r>
+            <a:r>
+              <a:rPr lang="sl-SI" dirty="0" smtClean="0"/>
+              <a:t>žnost “stale” podatkov</a:t>
+            </a:r>
+          </a:p>
+          <a:p>
+            <a:r>
+              <a:rPr lang="sl-SI" dirty="0" smtClean="0"/>
+              <a:t>Pogosti lifestyle vzorci</a:t>
+            </a:r>
           </a:p>
           <a:p>
             <a:pPr lvl="1"/>
+            <a:r>
+              <a:rPr lang="sl-SI" dirty="0" smtClean="0"/>
+              <a:t>Session per request (IoC)</a:t>
+            </a:r>
+          </a:p>
+          <a:p>
+            <a:pPr lvl="1"/>
+            <a:r>
+              <a:rPr lang="sl-SI" dirty="0" smtClean="0"/>
+              <a:t>Eksplicitno odpiranje (</a:t>
+            </a:r>
             <a:r>
               <a:rPr lang="en-US" dirty="0" smtClean="0"/>
               <a:t>I</a:t>
             </a:r>
             <a:r>
               <a:rPr lang="sl-SI" dirty="0" smtClean="0"/>
-              <a:t>n ne na svete krave na DB strežnikih</a:t>
-            </a:r>
-          </a:p>
-          <a:p>
-            <a:r>
-              <a:rPr lang="sl-SI" dirty="0" smtClean="0"/>
-              <a:t>Piši integracijske DB teste</a:t>
-            </a:r>
-          </a:p>
-          <a:p>
-            <a:r>
-              <a:rPr lang="sl-SI" dirty="0" smtClean="0"/>
-              <a:t>Loči jih od unit testov (ni baze!)</a:t>
+              <a:t>SessionFactor</a:t>
+            </a:r>
+            <a:r>
+              <a:rPr lang="en-US" dirty="0" smtClean="0"/>
+              <a:t>y v </a:t>
+            </a:r>
+            <a:r>
+              <a:rPr lang="en-US" dirty="0" err="1" smtClean="0"/>
+              <a:t>IoC</a:t>
+            </a:r>
+            <a:r>
+              <a:rPr lang="en-US" dirty="0" smtClean="0"/>
+              <a:t>)</a:t>
+            </a:r>
+            <a:r>
+              <a:rPr lang="sl-SI" dirty="0" smtClean="0"/>
+              <a:t> </a:t>
             </a:r>
           </a:p>
           <a:p>
             <a:pPr lvl="1"/>
-            <a:r>
-              <a:rPr lang="sl-SI" dirty="0" smtClean="0"/>
-              <a:t>Drugače so buildi predolgi</a:t>
-            </a:r>
             <a:endParaRPr lang="sl-SI" dirty="0"/>
           </a:p>
         </p:txBody>
@@ -4572,7 +4930,7 @@
           <a:p>
             <a:r>
               <a:rPr lang="sl-SI" dirty="0" smtClean="0"/>
-              <a:t>Literatura</a:t>
+              <a:t>Nasveti: skalabilnost</a:t>
             </a:r>
             <a:endParaRPr lang="sl-SI" dirty="0"/>
           </a:p>
@@ -4588,84 +4946,43 @@
             <p:ph idx="1"/>
           </p:nvPr>
         </p:nvSpPr>
-        <p:spPr>
-          <a:xfrm>
-            <a:off x="457200" y="1639341"/>
-            <a:ext cx="7467600" cy="4525963"/>
-          </a:xfrm>
-        </p:spPr>
-        <p:txBody>
-          <a:bodyPr>
-            <a:normAutofit/>
-          </a:bodyPr>
-          <a:lstStyle/>
-          <a:p>
-            <a:r>
-              <a:rPr lang="sl-SI" dirty="0" smtClean="0"/>
-              <a:t>Knjige:</a:t>
+        <p:spPr/>
+        <p:txBody>
+          <a:bodyPr/>
+          <a:lstStyle/>
+          <a:p>
+            <a:r>
+              <a:rPr lang="sl-SI" dirty="0" smtClean="0"/>
+              <a:t>NH (in ORM) niso najboljša orodja za mass-update in mass-delete</a:t>
+            </a:r>
+          </a:p>
+          <a:p>
+            <a:r>
+              <a:rPr lang="sl-SI" dirty="0" smtClean="0"/>
+              <a:t>Povpraševanja:</a:t>
             </a:r>
           </a:p>
           <a:p>
             <a:pPr lvl="1"/>
             <a:r>
               <a:rPr lang="sl-SI" dirty="0" smtClean="0"/>
-              <a:t>NHibernate in Acti</a:t>
-            </a:r>
-            <a:r>
-              <a:rPr lang="sl-SI" dirty="0" smtClean="0"/>
-              <a:t>on</a:t>
+              <a:t>Limitiranje št. rezultatov</a:t>
             </a:r>
           </a:p>
           <a:p>
             <a:pPr lvl="1"/>
             <a:r>
               <a:rPr lang="sl-SI" dirty="0" smtClean="0"/>
-              <a:t>NHibernate 3.0 </a:t>
-            </a:r>
-            <a:r>
-              <a:rPr lang="sl-SI" dirty="0" smtClean="0"/>
-              <a:t>Cookbook</a:t>
+              <a:t>Paging</a:t>
             </a:r>
           </a:p>
           <a:p>
             <a:pPr lvl="1"/>
             <a:r>
               <a:rPr lang="sl-SI" dirty="0" smtClean="0"/>
-              <a:t>Continuous Integration</a:t>
-            </a:r>
-          </a:p>
-          <a:p>
-            <a:pPr lvl="1"/>
-            <a:r>
-              <a:rPr lang="sl-SI" dirty="0" smtClean="0"/>
-              <a:t>Continuous Deliver</a:t>
-            </a:r>
-            <a:r>
-              <a:rPr lang="en-US" dirty="0" smtClean="0"/>
-              <a:t>y</a:t>
-            </a:r>
-          </a:p>
-          <a:p>
-            <a:r>
-              <a:rPr lang="en-US" dirty="0" smtClean="0"/>
-              <a:t>DDD – domain events</a:t>
-            </a:r>
-          </a:p>
-          <a:p>
-            <a:pPr lvl="1"/>
-            <a:r>
-              <a:rPr lang="en-US" dirty="0" smtClean="0">
-                <a:hlinkClick r:id="rId2"/>
-              </a:rPr>
-              <a:t>http://www.udidahan.com/2009/06/14/domain-events-salvation</a:t>
-            </a:r>
-            <a:r>
-              <a:rPr lang="en-US" dirty="0" smtClean="0">
-                <a:hlinkClick r:id="rId2"/>
-              </a:rPr>
-              <a:t>/</a:t>
-            </a:r>
-            <a:endParaRPr lang="en-US" dirty="0" smtClean="0"/>
+              <a:t>Report queries (so hitrejši, ni keširanja)</a:t>
+            </a:r>
+            <a:endParaRPr lang="sl-SI" dirty="0"/>
           </a:p>
         </p:txBody>
       </p:sp>
@@ -4674,13 +4991,6 @@
   <p:clrMapOvr>
     <a:masterClrMapping/>
   </p:clrMapOvr>
-  <p:timing>
-    <p:tnLst>
-      <p:par>
-        <p:cTn id="1" dur="indefinite" restart="never" nodeType="tmRoot"/>
-      </p:par>
-    </p:tnLst>
-  </p:timing>
 </p:sld>
 </file>
 

--- a/NHTutorial/docs/NH Presentation.pptx
+++ b/NHTutorial/docs/NH Presentation.pptx
@@ -3953,13 +3953,53 @@
         </p:spPr>
         <p:txBody>
           <a:bodyPr>
-            <a:normAutofit/>
+            <a:normAutofit fontScale="92500" lnSpcReduction="10000"/>
           </a:bodyPr>
           <a:lstStyle/>
           <a:p>
             <a:r>
-              <a:rPr lang="sl-SI" dirty="0" smtClean="0"/>
-              <a:t>Knjige:</a:t>
+              <a:rPr lang="en-US" dirty="0" smtClean="0"/>
+              <a:t>Source </a:t>
+            </a:r>
+            <a:r>
+              <a:rPr lang="en-US" dirty="0" err="1" smtClean="0"/>
+              <a:t>koda</a:t>
+            </a:r>
+            <a:r>
+              <a:rPr lang="en-US" dirty="0" smtClean="0"/>
+              <a:t>:</a:t>
+            </a:r>
+            <a:br>
+              <a:rPr lang="en-US" dirty="0" smtClean="0"/>
+            </a:br>
+            <a:r>
+              <a:rPr lang="en-US" dirty="0" smtClean="0">
+                <a:hlinkClick r:id="rId2"/>
+              </a:rPr>
+              <a:t>http</a:t>
+            </a:r>
+            <a:r>
+              <a:rPr lang="en-US" dirty="0" smtClean="0">
+                <a:hlinkClick r:id="rId2"/>
+              </a:rPr>
+              <a:t>://bitbucket.org/breki74/tutis/src/c1ffced4ef8b/NHTutorial</a:t>
+            </a:r>
+            <a:r>
+              <a:rPr lang="en-US" dirty="0" smtClean="0">
+                <a:hlinkClick r:id="rId2"/>
+              </a:rPr>
+              <a:t>/</a:t>
+            </a:r>
+            <a:endParaRPr lang="en-US" dirty="0" smtClean="0"/>
+          </a:p>
+          <a:p>
+            <a:r>
+              <a:rPr lang="sl-SI" dirty="0" smtClean="0"/>
+              <a:t>Knjige</a:t>
+            </a:r>
+            <a:r>
+              <a:rPr lang="sl-SI" dirty="0" smtClean="0"/>
+              <a:t>:</a:t>
             </a:r>
           </a:p>
           <a:p>
@@ -4004,7 +4044,7 @@
             <a:pPr lvl="1"/>
             <a:r>
               <a:rPr lang="en-US" dirty="0" smtClean="0">
-                <a:hlinkClick r:id="rId2"/>
+                <a:hlinkClick r:id="rId3"/>
               </a:rPr>
               <a:t>http://www.udidahan.com/2009/06/14/domain-events-salvation/</a:t>
             </a:r>

--- a/NHTutorial/docs/NH Presentation.pptx
+++ b/NHTutorial/docs/NH Presentation.pptx
@@ -3890,6 +3890,13 @@
   <p:clrMapOvr>
     <a:masterClrMapping/>
   </p:clrMapOvr>
+  <p:timing>
+    <p:tnLst>
+      <p:par>
+        <p:cTn id="1" dur="indefinite" restart="never" nodeType="tmRoot"/>
+      </p:par>
+    </p:tnLst>
+  </p:timing>
 </p:sld>
 </file>
 
@@ -4147,6 +4154,13 @@
   <p:clrMapOvr>
     <a:masterClrMapping/>
   </p:clrMapOvr>
+  <p:timing>
+    <p:tnLst>
+      <p:par>
+        <p:cTn id="1" dur="indefinite" restart="never" nodeType="tmRoot"/>
+      </p:par>
+    </p:tnLst>
+  </p:timing>
 </p:sld>
 </file>
 
@@ -4278,6 +4292,13 @@
   <p:clrMapOvr>
     <a:masterClrMapping/>
   </p:clrMapOvr>
+  <p:timing>
+    <p:tnLst>
+      <p:par>
+        <p:cTn id="1" dur="indefinite" restart="never" nodeType="tmRoot"/>
+      </p:par>
+    </p:tnLst>
+  </p:timing>
 </p:sld>
 </file>
 
@@ -4381,6 +4402,13 @@
   <p:clrMapOvr>
     <a:masterClrMapping/>
   </p:clrMapOvr>
+  <p:timing>
+    <p:tnLst>
+      <p:par>
+        <p:cTn id="1" dur="indefinite" restart="never" nodeType="tmRoot"/>
+      </p:par>
+    </p:tnLst>
+  </p:timing>
 </p:sld>
 </file>
 
@@ -4476,6 +4504,13 @@
   <p:clrMapOvr>
     <a:masterClrMapping/>
   </p:clrMapOvr>
+  <p:timing>
+    <p:tnLst>
+      <p:par>
+        <p:cTn id="1" dur="indefinite" restart="never" nodeType="tmRoot"/>
+      </p:par>
+    </p:tnLst>
+  </p:timing>
 </p:sld>
 </file>
 
@@ -4610,6 +4645,13 @@
   <p:clrMapOvr>
     <a:masterClrMapping/>
   </p:clrMapOvr>
+  <p:timing>
+    <p:tnLst>
+      <p:par>
+        <p:cTn id="1" dur="indefinite" restart="never" nodeType="tmRoot"/>
+      </p:par>
+    </p:tnLst>
+  </p:timing>
 </p:sld>
 </file>
 
@@ -4750,6 +4792,13 @@
   <p:clrMapOvr>
     <a:masterClrMapping/>
   </p:clrMapOvr>
+  <p:timing>
+    <p:tnLst>
+      <p:par>
+        <p:cTn id="1" dur="indefinite" restart="never" nodeType="tmRoot"/>
+      </p:par>
+    </p:tnLst>
+  </p:timing>
 </p:sld>
 </file>
 
@@ -4931,6 +4980,13 @@
   <p:clrMapOvr>
     <a:masterClrMapping/>
   </p:clrMapOvr>
+  <p:timing>
+    <p:tnLst>
+      <p:par>
+        <p:cTn id="1" dur="indefinite" restart="never" nodeType="tmRoot"/>
+      </p:par>
+    </p:tnLst>
+  </p:timing>
 </p:sld>
 </file>
 
@@ -5031,6 +5087,13 @@
   <p:clrMapOvr>
     <a:masterClrMapping/>
   </p:clrMapOvr>
+  <p:timing>
+    <p:tnLst>
+      <p:par>
+        <p:cTn id="1" dur="indefinite" restart="never" nodeType="tmRoot"/>
+      </p:par>
+    </p:tnLst>
+  </p:timing>
 </p:sld>
 </file>
 
